--- a/presentation.pptx
+++ b/presentation.pptx
@@ -3336,11 +3336,15 @@
         </p:nvSpPr>
         <p:spPr/>
         <p:txBody>
-          <a:bodyPr/>
+          <a:bodyPr>
+            <a:normAutofit/>
+          </a:bodyPr>
           <a:lstStyle/>
           <a:p>
             <a:r>
-              <a:rPr lang="fa-IR" dirty="0"/>
+              <a:rPr lang="fa-IR" sz="2400" dirty="0">
+                <a:cs typeface="B Nazanin" panose="00000400000000000000" pitchFamily="2" charset="-78"/>
+              </a:rPr>
               <a:t>مهدی </a:t>
             </a:r>
             <a:r>
@@ -3349,7 +3353,7 @@
               </a:rPr>
               <a:t>حسین‌زاده</a:t>
             </a:r>
-            <a:endParaRPr lang="fa-IR" dirty="0">
+            <a:endParaRPr lang="fa-IR" sz="2400" dirty="0">
               <a:cs typeface="B Nazanin" panose="00000400000000000000" pitchFamily="2" charset="-78"/>
             </a:endParaRPr>
           </a:p>
@@ -3413,8 +3417,8 @@
           </a:p>
         </p:txBody>
       </p:sp>
-      <mc:AlternateContent xmlns:mc="http://schemas.openxmlformats.org/markup-compatibility/2006">
-        <mc:Choice xmlns:a14="http://schemas.microsoft.com/office/drawing/2010/main" Requires="a14">
+      <mc:AlternateContent xmlns:mc="http://schemas.openxmlformats.org/markup-compatibility/2006" xmlns:a14="http://schemas.microsoft.com/office/drawing/2010/main">
+        <mc:Choice Requires="a14">
           <p:sp>
             <p:nvSpPr>
               <p:cNvPr id="3" name="Content Placeholder 2">
@@ -4169,7 +4173,7 @@
             </p:txBody>
           </p:sp>
         </mc:Choice>
-        <mc:Fallback>
+        <mc:Fallback xmlns="">
           <p:sp>
             <p:nvSpPr>
               <p:cNvPr id="3" name="Content Placeholder 2">
@@ -4903,10 +4907,10 @@
       </p:sp>
       <p:pic>
         <p:nvPicPr>
-          <p:cNvPr id="5" name="Content Placeholder 4">
+          <p:cNvPr id="9" name="Content Placeholder 8">
             <a:extLst>
               <a:ext uri="{FF2B5EF4-FFF2-40B4-BE49-F238E27FC236}">
-                <a16:creationId xmlns:a16="http://schemas.microsoft.com/office/drawing/2014/main" id="{66C5917D-7617-44A4-A1E4-D364401FBFDE}"/>
+                <a16:creationId xmlns:a16="http://schemas.microsoft.com/office/drawing/2014/main" id="{65E72DF7-6678-46CD-BBA7-20A87CF2DEB6}"/>
               </a:ext>
             </a:extLst>
           </p:cNvPr>
@@ -4934,8 +4938,8 @@
         </p:blipFill>
         <p:spPr>
           <a:xfrm>
-            <a:off x="1484851" y="2153412"/>
-            <a:ext cx="9222298" cy="4611152"/>
+            <a:off x="1224653" y="1986652"/>
+            <a:ext cx="9742694" cy="4871348"/>
           </a:xfrm>
         </p:spPr>
       </p:pic>

--- a/presentation.pptx
+++ b/presentation.pptx
@@ -275,7 +275,7 @@
           <a:p>
             <a:fld id="{CF2D4251-BB2D-49C1-B5CD-24763424ED1F}" type="datetimeFigureOut">
               <a:rPr lang="en-US" smtClean="0"/>
-              <a:t>2020-04-26</a:t>
+              <a:t>2020-05-05</a:t>
             </a:fld>
             <a:endParaRPr lang="en-US"/>
           </a:p>
@@ -445,7 +445,7 @@
           <a:p>
             <a:fld id="{CF2D4251-BB2D-49C1-B5CD-24763424ED1F}" type="datetimeFigureOut">
               <a:rPr lang="en-US" smtClean="0"/>
-              <a:t>2020-04-26</a:t>
+              <a:t>2020-05-05</a:t>
             </a:fld>
             <a:endParaRPr lang="en-US"/>
           </a:p>
@@ -625,7 +625,7 @@
           <a:p>
             <a:fld id="{CF2D4251-BB2D-49C1-B5CD-24763424ED1F}" type="datetimeFigureOut">
               <a:rPr lang="en-US" smtClean="0"/>
-              <a:t>2020-04-26</a:t>
+              <a:t>2020-05-05</a:t>
             </a:fld>
             <a:endParaRPr lang="en-US"/>
           </a:p>
@@ -795,7 +795,7 @@
           <a:p>
             <a:fld id="{CF2D4251-BB2D-49C1-B5CD-24763424ED1F}" type="datetimeFigureOut">
               <a:rPr lang="en-US" smtClean="0"/>
-              <a:t>2020-04-26</a:t>
+              <a:t>2020-05-05</a:t>
             </a:fld>
             <a:endParaRPr lang="en-US"/>
           </a:p>
@@ -1055,7 +1055,7 @@
           <a:p>
             <a:fld id="{CF2D4251-BB2D-49C1-B5CD-24763424ED1F}" type="datetimeFigureOut">
               <a:rPr lang="en-US" smtClean="0"/>
-              <a:t>2020-04-26</a:t>
+              <a:t>2020-05-05</a:t>
             </a:fld>
             <a:endParaRPr lang="en-US"/>
           </a:p>
@@ -1287,7 +1287,7 @@
           <a:p>
             <a:fld id="{CF2D4251-BB2D-49C1-B5CD-24763424ED1F}" type="datetimeFigureOut">
               <a:rPr lang="en-US" smtClean="0"/>
-              <a:t>2020-04-26</a:t>
+              <a:t>2020-05-05</a:t>
             </a:fld>
             <a:endParaRPr lang="en-US"/>
           </a:p>
@@ -1642,7 +1642,7 @@
           <a:p>
             <a:fld id="{CF2D4251-BB2D-49C1-B5CD-24763424ED1F}" type="datetimeFigureOut">
               <a:rPr lang="en-US" smtClean="0"/>
-              <a:t>2020-04-26</a:t>
+              <a:t>2020-05-05</a:t>
             </a:fld>
             <a:endParaRPr lang="en-US"/>
           </a:p>
@@ -1783,7 +1783,7 @@
           <a:p>
             <a:fld id="{CF2D4251-BB2D-49C1-B5CD-24763424ED1F}" type="datetimeFigureOut">
               <a:rPr lang="en-US" smtClean="0"/>
-              <a:t>2020-04-26</a:t>
+              <a:t>2020-05-05</a:t>
             </a:fld>
             <a:endParaRPr lang="en-US"/>
           </a:p>
@@ -1878,7 +1878,7 @@
           <a:p>
             <a:fld id="{CF2D4251-BB2D-49C1-B5CD-24763424ED1F}" type="datetimeFigureOut">
               <a:rPr lang="en-US" smtClean="0"/>
-              <a:t>2020-04-26</a:t>
+              <a:t>2020-05-05</a:t>
             </a:fld>
             <a:endParaRPr lang="en-US"/>
           </a:p>
@@ -2235,7 +2235,7 @@
           <a:p>
             <a:fld id="{CF2D4251-BB2D-49C1-B5CD-24763424ED1F}" type="datetimeFigureOut">
               <a:rPr lang="en-US" smtClean="0"/>
-              <a:t>2020-04-26</a:t>
+              <a:t>2020-05-05</a:t>
             </a:fld>
             <a:endParaRPr lang="en-US"/>
           </a:p>
@@ -2553,7 +2553,7 @@
           <a:p>
             <a:fld id="{CF2D4251-BB2D-49C1-B5CD-24763424ED1F}" type="datetimeFigureOut">
               <a:rPr lang="en-US" smtClean="0"/>
-              <a:t>2020-04-26</a:t>
+              <a:t>2020-05-05</a:t>
             </a:fld>
             <a:endParaRPr lang="en-US"/>
           </a:p>
@@ -2798,7 +2798,7 @@
           <a:p>
             <a:fld id="{CF2D4251-BB2D-49C1-B5CD-24763424ED1F}" type="datetimeFigureOut">
               <a:rPr lang="en-US" smtClean="0"/>
-              <a:t>2020-04-26</a:t>
+              <a:t>2020-05-05</a:t>
             </a:fld>
             <a:endParaRPr lang="en-US"/>
           </a:p>
@@ -3405,7 +3405,12 @@
             <p:ph type="title"/>
           </p:nvPr>
         </p:nvSpPr>
-        <p:spPr/>
+        <p:spPr>
+          <a:xfrm>
+            <a:off x="2231136" y="731520"/>
+            <a:ext cx="7729728" cy="1188720"/>
+          </a:xfrm>
+        </p:spPr>
         <p:txBody>
           <a:bodyPr/>
           <a:lstStyle/>
@@ -3437,7 +3442,7 @@
             </p:nvSpPr>
             <p:spPr>
               <a:xfrm>
-                <a:off x="2231136" y="2638044"/>
+                <a:off x="2231136" y="2286000"/>
                 <a:ext cx="7729728" cy="3896980"/>
               </a:xfrm>
             </p:spPr>
@@ -4192,7 +4197,7 @@
             </p:nvSpPr>
             <p:spPr>
               <a:xfrm>
-                <a:off x="2231136" y="2638044"/>
+                <a:off x="2231136" y="2286000"/>
                 <a:ext cx="7729728" cy="3896980"/>
               </a:xfrm>
               <a:blipFill>
@@ -4263,7 +4268,12 @@
             <p:ph type="title"/>
           </p:nvPr>
         </p:nvSpPr>
-        <p:spPr/>
+        <p:spPr>
+          <a:xfrm>
+            <a:off x="2231136" y="731520"/>
+            <a:ext cx="7729728" cy="1188720"/>
+          </a:xfrm>
+        </p:spPr>
         <p:txBody>
           <a:bodyPr/>
           <a:lstStyle/>
@@ -4291,7 +4301,12 @@
             <p:ph idx="1"/>
           </p:nvPr>
         </p:nvSpPr>
-        <p:spPr/>
+        <p:spPr>
+          <a:xfrm>
+            <a:off x="2231136" y="2638044"/>
+            <a:ext cx="9503840" cy="3101983"/>
+          </a:xfrm>
+        </p:spPr>
         <p:txBody>
           <a:bodyPr>
             <a:normAutofit/>
@@ -4396,8 +4411,8 @@
         </p:blipFill>
         <p:spPr>
           <a:xfrm>
-            <a:off x="457024" y="2680309"/>
-            <a:ext cx="7150568" cy="3544350"/>
+            <a:off x="457024" y="2200735"/>
+            <a:ext cx="8913480" cy="4418179"/>
           </a:xfrm>
           <a:prstGeom prst="rect">
             <a:avLst/>
@@ -4450,7 +4465,12 @@
             <p:ph type="title"/>
           </p:nvPr>
         </p:nvSpPr>
-        <p:spPr/>
+        <p:spPr>
+          <a:xfrm>
+            <a:off x="2209103" y="731520"/>
+            <a:ext cx="7729728" cy="1188720"/>
+          </a:xfrm>
+        </p:spPr>
         <p:txBody>
           <a:bodyPr/>
           <a:lstStyle/>
@@ -4480,13 +4500,13 @@
         </p:nvSpPr>
         <p:spPr>
           <a:xfrm>
-            <a:off x="855677" y="2638044"/>
-            <a:ext cx="9105188" cy="3938925"/>
+            <a:off x="2231137" y="2286000"/>
+            <a:ext cx="7729728" cy="3938925"/>
           </a:xfrm>
         </p:spPr>
         <p:txBody>
           <a:bodyPr>
-            <a:normAutofit/>
+            <a:normAutofit fontScale="92500" lnSpcReduction="10000"/>
           </a:bodyPr>
           <a:lstStyle/>
           <a:p>
@@ -4546,12 +4566,20 @@
             </a:endParaRPr>
           </a:p>
           <a:p>
-            <a:pPr marL="342900" indent="-342900" algn="r" rtl="1">
-              <a:buFont typeface="+mj-lt"/>
-              <a:buAutoNum type="arabicParenR"/>
+            <a:pPr marL="0" indent="0" algn="r" rtl="1">
+              <a:buNone/>
             </a:pPr>
             <a:r>
               <a:rPr lang="fa-IR" sz="2600" dirty="0">
+                <a:solidFill>
+                  <a:schemeClr val="accent2"/>
+                </a:solidFill>
+                <a:cs typeface="B Nazanin" panose="00000400000000000000" pitchFamily="2" charset="-78"/>
+              </a:rPr>
+              <a:t>۱) </a:t>
+            </a:r>
+            <a:r>
+              <a:rPr lang="fa-IR" sz="2600" dirty="0">
                 <a:cs typeface="B Nazanin" panose="00000400000000000000" pitchFamily="2" charset="-78"/>
               </a:rPr>
               <a:t>خود </a:t>
@@ -4598,23 +4626,28 @@
               </a:rPr>
               <a:t>می‌شود</a:t>
             </a:r>
+            <a:endParaRPr lang="fa-IR" sz="2600" dirty="0">
+              <a:cs typeface="B Nazanin" panose="00000400000000000000" pitchFamily="2" charset="-78"/>
+            </a:endParaRPr>
+          </a:p>
+          <a:p>
+            <a:pPr marL="0" indent="0" algn="r" rtl="1">
+              <a:buNone/>
+            </a:pPr>
             <a:r>
               <a:rPr lang="fa-IR" sz="2600" dirty="0">
-                <a:cs typeface="B Nazanin" panose="00000400000000000000" pitchFamily="2" charset="-78"/>
-              </a:rPr>
-              <a:t> </a:t>
-            </a:r>
-          </a:p>
-          <a:p>
-            <a:pPr marL="342900" indent="-342900" algn="r" rtl="1">
-              <a:buFont typeface="+mj-lt"/>
-              <a:buAutoNum type="arabicParenR"/>
-            </a:pPr>
+                <a:solidFill>
+                  <a:schemeClr val="accent2"/>
+                </a:solidFill>
+                <a:cs typeface="B Nazanin" panose="00000400000000000000" pitchFamily="2" charset="-78"/>
+              </a:rPr>
+              <a:t>۲)</a:t>
+            </a:r>
             <a:r>
               <a:rPr lang="fa-IR" sz="2600" dirty="0">
                 <a:cs typeface="B Nazanin" panose="00000400000000000000" pitchFamily="2" charset="-78"/>
               </a:rPr>
-              <a:t>استخراج قسمت </a:t>
+              <a:t> استخراج قسمت </a:t>
             </a:r>
             <a:r>
               <a:rPr lang="en-US" sz="2600" dirty="0">
@@ -4893,7 +4926,12 @@
             <p:ph type="title"/>
           </p:nvPr>
         </p:nvSpPr>
-        <p:spPr/>
+        <p:spPr>
+          <a:xfrm>
+            <a:off x="2212848" y="731520"/>
+            <a:ext cx="7729728" cy="1188720"/>
+          </a:xfrm>
+        </p:spPr>
         <p:txBody>
           <a:bodyPr/>
           <a:lstStyle/>
@@ -4907,10 +4945,10 @@
       </p:sp>
       <p:pic>
         <p:nvPicPr>
-          <p:cNvPr id="9" name="Content Placeholder 8">
+          <p:cNvPr id="6" name="Content Placeholder 5">
             <a:extLst>
               <a:ext uri="{FF2B5EF4-FFF2-40B4-BE49-F238E27FC236}">
-                <a16:creationId xmlns:a16="http://schemas.microsoft.com/office/drawing/2014/main" id="{65E72DF7-6678-46CD-BBA7-20A87CF2DEB6}"/>
+                <a16:creationId xmlns:a16="http://schemas.microsoft.com/office/drawing/2014/main" id="{83A4C035-ED99-498E-9C4F-3DEDAAAA81C5}"/>
               </a:ext>
             </a:extLst>
           </p:cNvPr>
@@ -4938,8 +4976,8 @@
         </p:blipFill>
         <p:spPr>
           <a:xfrm>
-            <a:off x="1224653" y="1986652"/>
-            <a:ext cx="9742694" cy="4871348"/>
+            <a:off x="1055992" y="1669410"/>
+            <a:ext cx="10080016" cy="5040006"/>
           </a:xfrm>
         </p:spPr>
       </p:pic>
@@ -4989,7 +5027,12 @@
             <p:ph type="title"/>
           </p:nvPr>
         </p:nvSpPr>
-        <p:spPr/>
+        <p:spPr>
+          <a:xfrm>
+            <a:off x="2212848" y="731520"/>
+            <a:ext cx="7729728" cy="1188720"/>
+          </a:xfrm>
+        </p:spPr>
         <p:txBody>
           <a:bodyPr/>
           <a:lstStyle/>
@@ -5019,7 +5062,7 @@
         </p:nvSpPr>
         <p:spPr>
           <a:xfrm>
-            <a:off x="2231136" y="2638044"/>
+            <a:off x="2231136" y="2286000"/>
             <a:ext cx="7729728" cy="3670477"/>
           </a:xfrm>
         </p:spPr>
@@ -5029,10 +5072,18 @@
           </a:bodyPr>
           <a:lstStyle/>
           <a:p>
-            <a:pPr marL="342900" indent="-342900" algn="r" rtl="1">
-              <a:buFont typeface="+mj-lt"/>
-              <a:buAutoNum type="arabicParenR" startAt="3"/>
+            <a:pPr marL="0" indent="0" algn="r" rtl="1">
+              <a:buNone/>
             </a:pPr>
+            <a:r>
+              <a:rPr lang="fa-IR" sz="2800" dirty="0">
+                <a:solidFill>
+                  <a:schemeClr val="accent2"/>
+                </a:solidFill>
+                <a:cs typeface="B Nazanin" panose="00000400000000000000" pitchFamily="2" charset="-78"/>
+              </a:rPr>
+              <a:t>۳) </a:t>
+            </a:r>
             <a:r>
               <a:rPr lang="fa-IR" sz="2800" dirty="0">
                 <a:cs typeface="B Nazanin" panose="00000400000000000000" pitchFamily="2" charset="-78"/>
@@ -5143,18 +5194,26 @@
             </a:endParaRPr>
           </a:p>
           <a:p>
-            <a:pPr marL="342900" indent="-342900" algn="r" rtl="1">
+            <a:pPr marL="0" indent="0" algn="r" rtl="1">
               <a:spcBef>
                 <a:spcPts val="3000"/>
               </a:spcBef>
-              <a:buFont typeface="+mj-lt"/>
-              <a:buAutoNum type="arabicParenR" startAt="4"/>
+              <a:buNone/>
             </a:pPr>
             <a:r>
               <a:rPr lang="fa-IR" sz="2800" dirty="0">
-                <a:cs typeface="B Nazanin" panose="00000400000000000000" pitchFamily="2" charset="-78"/>
-              </a:rPr>
-              <a:t>به دست آوردن بخش </a:t>
+                <a:solidFill>
+                  <a:schemeClr val="accent2"/>
+                </a:solidFill>
+                <a:cs typeface="B Nazanin" panose="00000400000000000000" pitchFamily="2" charset="-78"/>
+              </a:rPr>
+              <a:t>۴)</a:t>
+            </a:r>
+            <a:r>
+              <a:rPr lang="fa-IR" sz="2800" dirty="0">
+                <a:cs typeface="B Nazanin" panose="00000400000000000000" pitchFamily="2" charset="-78"/>
+              </a:rPr>
+              <a:t> به دست آوردن بخش </a:t>
             </a:r>
             <a:r>
               <a:rPr lang="en-US" sz="2800" dirty="0">
@@ -5178,7 +5237,7 @@
               <a:rPr lang="fa-IR" sz="2800" dirty="0">
                 <a:cs typeface="B Nazanin" panose="00000400000000000000" pitchFamily="2" charset="-78"/>
               </a:rPr>
-              <a:t>؛</a:t>
+              <a:t>:</a:t>
             </a:r>
           </a:p>
           <a:p>
@@ -5313,7 +5372,12 @@
             <p:ph type="title"/>
           </p:nvPr>
         </p:nvSpPr>
-        <p:spPr/>
+        <p:spPr>
+          <a:xfrm>
+            <a:off x="2212848" y="731520"/>
+            <a:ext cx="7729728" cy="1188720"/>
+          </a:xfrm>
+        </p:spPr>
         <p:txBody>
           <a:bodyPr/>
           <a:lstStyle/>
@@ -5341,7 +5405,12 @@
             <p:ph idx="1"/>
           </p:nvPr>
         </p:nvSpPr>
-        <p:spPr/>
+        <p:spPr>
+          <a:xfrm>
+            <a:off x="2231136" y="2286000"/>
+            <a:ext cx="7729728" cy="3101983"/>
+          </a:xfrm>
+        </p:spPr>
         <p:txBody>
           <a:bodyPr>
             <a:normAutofit lnSpcReduction="10000"/>
@@ -5563,7 +5632,12 @@
             <p:ph type="title"/>
           </p:nvPr>
         </p:nvSpPr>
-        <p:spPr/>
+        <p:spPr>
+          <a:xfrm>
+            <a:off x="2212848" y="731520"/>
+            <a:ext cx="7729728" cy="1188720"/>
+          </a:xfrm>
+        </p:spPr>
         <p:txBody>
           <a:bodyPr/>
           <a:lstStyle/>
@@ -5593,7 +5667,7 @@
         </p:nvSpPr>
         <p:spPr>
           <a:xfrm>
-            <a:off x="2231136" y="2638044"/>
+            <a:off x="2231136" y="2286000"/>
             <a:ext cx="7729728" cy="4140261"/>
           </a:xfrm>
         </p:spPr>
@@ -5779,6 +5853,47 @@
           <a:chExt cx="0" cy="0"/>
         </a:xfrm>
       </p:grpSpPr>
+      <p:sp>
+        <p:nvSpPr>
+          <p:cNvPr id="2" name="TextBox 1">
+            <a:extLst>
+              <a:ext uri="{FF2B5EF4-FFF2-40B4-BE49-F238E27FC236}">
+                <a16:creationId xmlns:a16="http://schemas.microsoft.com/office/drawing/2014/main" id="{4895426F-1353-41F3-9164-E97F85112A41}"/>
+              </a:ext>
+            </a:extLst>
+          </p:cNvPr>
+          <p:cNvSpPr txBox="1"/>
+          <p:nvPr/>
+        </p:nvSpPr>
+        <p:spPr>
+          <a:xfrm>
+            <a:off x="3194179" y="2921168"/>
+            <a:ext cx="5803641" cy="1015663"/>
+          </a:xfrm>
+          <a:prstGeom prst="rect">
+            <a:avLst/>
+          </a:prstGeom>
+          <a:noFill/>
+        </p:spPr>
+        <p:txBody>
+          <a:bodyPr wrap="square" rtlCol="0">
+            <a:spAutoFit/>
+          </a:bodyPr>
+          <a:lstStyle/>
+          <a:p>
+            <a:pPr algn="ctr"/>
+            <a:r>
+              <a:rPr lang="fa-IR" sz="6000" dirty="0">
+                <a:cs typeface="B Nazanin" panose="00000400000000000000" pitchFamily="2" charset="-78"/>
+              </a:rPr>
+              <a:t> با تشکر</a:t>
+            </a:r>
+            <a:endParaRPr lang="en-US" sz="6000" dirty="0">
+              <a:cs typeface="B Nazanin" panose="00000400000000000000" pitchFamily="2" charset="-78"/>
+            </a:endParaRPr>
+          </a:p>
+        </p:txBody>
+      </p:sp>
     </p:spTree>
     <p:extLst>
       <p:ext uri="{BB962C8B-B14F-4D97-AF65-F5344CB8AC3E}">

--- a/presentation.pptx
+++ b/presentation.pptx
@@ -1,9 +1,12 @@
 
 <file path=ppt/presentation.xml><?xml version="1.0" encoding="utf-8"?>
-<p:presentation xmlns:a="http://schemas.openxmlformats.org/drawingml/2006/main" xmlns:r="http://schemas.openxmlformats.org/officeDocument/2006/relationships" xmlns:p="http://schemas.openxmlformats.org/presentationml/2006/main" saveSubsetFonts="1">
+<p:presentation xmlns:a="http://schemas.openxmlformats.org/drawingml/2006/main" xmlns:r="http://schemas.openxmlformats.org/officeDocument/2006/relationships" xmlns:p="http://schemas.openxmlformats.org/presentationml/2006/main" showSpecialPlsOnTitleSld="0" saveSubsetFonts="1">
   <p:sldMasterIdLst>
     <p:sldMasterId id="2147484096" r:id="rId1"/>
   </p:sldMasterIdLst>
+  <p:notesMasterIdLst>
+    <p:notesMasterId r:id="rId11"/>
+  </p:notesMasterIdLst>
   <p:sldIdLst>
     <p:sldId id="256" r:id="rId2"/>
     <p:sldId id="260" r:id="rId3"/>
@@ -120,6 +123,355 @@
 </p:presentation>
 </file>
 
+<file path=ppt/notesMasters/notesMaster1.xml><?xml version="1.0" encoding="utf-8"?>
+<p:notesMaster xmlns:a="http://schemas.openxmlformats.org/drawingml/2006/main" xmlns:r="http://schemas.openxmlformats.org/officeDocument/2006/relationships" xmlns:p="http://schemas.openxmlformats.org/presentationml/2006/main">
+  <p:cSld>
+    <p:bg>
+      <p:bgRef idx="1001">
+        <a:schemeClr val="bg1"/>
+      </p:bgRef>
+    </p:bg>
+    <p:spTree>
+      <p:nvGrpSpPr>
+        <p:cNvPr id="1" name=""/>
+        <p:cNvGrpSpPr/>
+        <p:nvPr/>
+      </p:nvGrpSpPr>
+      <p:grpSpPr>
+        <a:xfrm>
+          <a:off x="0" y="0"/>
+          <a:ext cx="0" cy="0"/>
+          <a:chOff x="0" y="0"/>
+          <a:chExt cx="0" cy="0"/>
+        </a:xfrm>
+      </p:grpSpPr>
+      <p:sp>
+        <p:nvSpPr>
+          <p:cNvPr id="2" name="Header Placeholder 1"/>
+          <p:cNvSpPr>
+            <a:spLocks noGrp="1"/>
+          </p:cNvSpPr>
+          <p:nvPr>
+            <p:ph type="hdr" sz="quarter"/>
+          </p:nvPr>
+        </p:nvSpPr>
+        <p:spPr>
+          <a:xfrm>
+            <a:off x="0" y="0"/>
+            <a:ext cx="2971800" cy="458788"/>
+          </a:xfrm>
+          <a:prstGeom prst="rect">
+            <a:avLst/>
+          </a:prstGeom>
+        </p:spPr>
+        <p:txBody>
+          <a:bodyPr vert="horz" lIns="91440" tIns="45720" rIns="91440" bIns="45720" rtlCol="0"/>
+          <a:lstStyle>
+            <a:lvl1pPr algn="l">
+              <a:defRPr sz="1200"/>
+            </a:lvl1pPr>
+          </a:lstStyle>
+          <a:p>
+            <a:endParaRPr lang="en-US"/>
+          </a:p>
+        </p:txBody>
+      </p:sp>
+      <p:sp>
+        <p:nvSpPr>
+          <p:cNvPr id="3" name="Date Placeholder 2"/>
+          <p:cNvSpPr>
+            <a:spLocks noGrp="1"/>
+          </p:cNvSpPr>
+          <p:nvPr>
+            <p:ph type="dt" idx="1"/>
+          </p:nvPr>
+        </p:nvSpPr>
+        <p:spPr>
+          <a:xfrm>
+            <a:off x="3884613" y="0"/>
+            <a:ext cx="2971800" cy="458788"/>
+          </a:xfrm>
+          <a:prstGeom prst="rect">
+            <a:avLst/>
+          </a:prstGeom>
+        </p:spPr>
+        <p:txBody>
+          <a:bodyPr vert="horz" lIns="91440" tIns="45720" rIns="91440" bIns="45720" rtlCol="0"/>
+          <a:lstStyle>
+            <a:lvl1pPr algn="r">
+              <a:defRPr sz="1200"/>
+            </a:lvl1pPr>
+          </a:lstStyle>
+          <a:p>
+            <a:fld id="{689DABA7-5B4A-4618-8384-DAF4A5262B1C}" type="datetimeFigureOut">
+              <a:rPr lang="en-US" smtClean="0"/>
+              <a:t>2020-06-08</a:t>
+            </a:fld>
+            <a:endParaRPr lang="en-US"/>
+          </a:p>
+        </p:txBody>
+      </p:sp>
+      <p:sp>
+        <p:nvSpPr>
+          <p:cNvPr id="4" name="Slide Image Placeholder 3"/>
+          <p:cNvSpPr>
+            <a:spLocks noGrp="1" noRot="1" noChangeAspect="1"/>
+          </p:cNvSpPr>
+          <p:nvPr>
+            <p:ph type="sldImg" idx="2"/>
+          </p:nvPr>
+        </p:nvSpPr>
+        <p:spPr>
+          <a:xfrm>
+            <a:off x="685800" y="1143000"/>
+            <a:ext cx="5486400" cy="3086100"/>
+          </a:xfrm>
+          <a:prstGeom prst="rect">
+            <a:avLst/>
+          </a:prstGeom>
+          <a:noFill/>
+          <a:ln w="12700">
+            <a:solidFill>
+              <a:prstClr val="black"/>
+            </a:solidFill>
+          </a:ln>
+        </p:spPr>
+        <p:txBody>
+          <a:bodyPr vert="horz" lIns="91440" tIns="45720" rIns="91440" bIns="45720" rtlCol="0" anchor="ctr"/>
+          <a:lstStyle/>
+          <a:p>
+            <a:endParaRPr lang="en-US"/>
+          </a:p>
+        </p:txBody>
+      </p:sp>
+      <p:sp>
+        <p:nvSpPr>
+          <p:cNvPr id="5" name="Notes Placeholder 4"/>
+          <p:cNvSpPr>
+            <a:spLocks noGrp="1"/>
+          </p:cNvSpPr>
+          <p:nvPr>
+            <p:ph type="body" sz="quarter" idx="3"/>
+          </p:nvPr>
+        </p:nvSpPr>
+        <p:spPr>
+          <a:xfrm>
+            <a:off x="685800" y="4400550"/>
+            <a:ext cx="5486400" cy="3600450"/>
+          </a:xfrm>
+          <a:prstGeom prst="rect">
+            <a:avLst/>
+          </a:prstGeom>
+        </p:spPr>
+        <p:txBody>
+          <a:bodyPr vert="horz" lIns="91440" tIns="45720" rIns="91440" bIns="45720" rtlCol="0"/>
+          <a:lstStyle/>
+          <a:p>
+            <a:pPr lvl="0"/>
+            <a:r>
+              <a:rPr lang="en-US"/>
+              <a:t>Click to edit Master text styles</a:t>
+            </a:r>
+          </a:p>
+          <a:p>
+            <a:pPr lvl="1"/>
+            <a:r>
+              <a:rPr lang="en-US"/>
+              <a:t>Second level</a:t>
+            </a:r>
+          </a:p>
+          <a:p>
+            <a:pPr lvl="2"/>
+            <a:r>
+              <a:rPr lang="en-US"/>
+              <a:t>Third level</a:t>
+            </a:r>
+          </a:p>
+          <a:p>
+            <a:pPr lvl="3"/>
+            <a:r>
+              <a:rPr lang="en-US"/>
+              <a:t>Fourth level</a:t>
+            </a:r>
+          </a:p>
+          <a:p>
+            <a:pPr lvl="4"/>
+            <a:r>
+              <a:rPr lang="en-US"/>
+              <a:t>Fifth level</a:t>
+            </a:r>
+          </a:p>
+        </p:txBody>
+      </p:sp>
+      <p:sp>
+        <p:nvSpPr>
+          <p:cNvPr id="6" name="Footer Placeholder 5"/>
+          <p:cNvSpPr>
+            <a:spLocks noGrp="1"/>
+          </p:cNvSpPr>
+          <p:nvPr>
+            <p:ph type="ftr" sz="quarter" idx="4"/>
+          </p:nvPr>
+        </p:nvSpPr>
+        <p:spPr>
+          <a:xfrm>
+            <a:off x="0" y="8685213"/>
+            <a:ext cx="2971800" cy="458787"/>
+          </a:xfrm>
+          <a:prstGeom prst="rect">
+            <a:avLst/>
+          </a:prstGeom>
+        </p:spPr>
+        <p:txBody>
+          <a:bodyPr vert="horz" lIns="91440" tIns="45720" rIns="91440" bIns="45720" rtlCol="0" anchor="b"/>
+          <a:lstStyle>
+            <a:lvl1pPr algn="l">
+              <a:defRPr sz="1200"/>
+            </a:lvl1pPr>
+          </a:lstStyle>
+          <a:p>
+            <a:endParaRPr lang="en-US"/>
+          </a:p>
+        </p:txBody>
+      </p:sp>
+      <p:sp>
+        <p:nvSpPr>
+          <p:cNvPr id="7" name="Slide Number Placeholder 6"/>
+          <p:cNvSpPr>
+            <a:spLocks noGrp="1"/>
+          </p:cNvSpPr>
+          <p:nvPr>
+            <p:ph type="sldNum" sz="quarter" idx="5"/>
+          </p:nvPr>
+        </p:nvSpPr>
+        <p:spPr>
+          <a:xfrm>
+            <a:off x="3884613" y="8685213"/>
+            <a:ext cx="2971800" cy="458787"/>
+          </a:xfrm>
+          <a:prstGeom prst="rect">
+            <a:avLst/>
+          </a:prstGeom>
+        </p:spPr>
+        <p:txBody>
+          <a:bodyPr vert="horz" lIns="91440" tIns="45720" rIns="91440" bIns="45720" rtlCol="0" anchor="b"/>
+          <a:lstStyle>
+            <a:lvl1pPr algn="r">
+              <a:defRPr sz="1200"/>
+            </a:lvl1pPr>
+          </a:lstStyle>
+          <a:p>
+            <a:fld id="{2049B317-5E2D-4053-B295-1E413652E3DE}" type="slidenum">
+              <a:rPr lang="en-US" smtClean="0"/>
+              <a:t>‹#›</a:t>
+            </a:fld>
+            <a:endParaRPr lang="en-US"/>
+          </a:p>
+        </p:txBody>
+      </p:sp>
+    </p:spTree>
+    <p:extLst>
+      <p:ext uri="{BB962C8B-B14F-4D97-AF65-F5344CB8AC3E}">
+        <p14:creationId xmlns:p14="http://schemas.microsoft.com/office/powerpoint/2010/main" val="642074286"/>
+      </p:ext>
+    </p:extLst>
+  </p:cSld>
+  <p:clrMap bg1="lt1" tx1="dk1" bg2="lt2" tx2="dk2" accent1="accent1" accent2="accent2" accent3="accent3" accent4="accent4" accent5="accent5" accent6="accent6" hlink="hlink" folHlink="folHlink"/>
+  <p:notesStyle>
+    <a:lvl1pPr marL="0" algn="l" defTabSz="914400" rtl="0" eaLnBrk="1" latinLnBrk="0" hangingPunct="1">
+      <a:defRPr sz="1200" kern="1200">
+        <a:solidFill>
+          <a:schemeClr val="tx1"/>
+        </a:solidFill>
+        <a:latin typeface="+mn-lt"/>
+        <a:ea typeface="+mn-ea"/>
+        <a:cs typeface="+mn-cs"/>
+      </a:defRPr>
+    </a:lvl1pPr>
+    <a:lvl2pPr marL="457200" algn="l" defTabSz="914400" rtl="0" eaLnBrk="1" latinLnBrk="0" hangingPunct="1">
+      <a:defRPr sz="1200" kern="1200">
+        <a:solidFill>
+          <a:schemeClr val="tx1"/>
+        </a:solidFill>
+        <a:latin typeface="+mn-lt"/>
+        <a:ea typeface="+mn-ea"/>
+        <a:cs typeface="+mn-cs"/>
+      </a:defRPr>
+    </a:lvl2pPr>
+    <a:lvl3pPr marL="914400" algn="l" defTabSz="914400" rtl="0" eaLnBrk="1" latinLnBrk="0" hangingPunct="1">
+      <a:defRPr sz="1200" kern="1200">
+        <a:solidFill>
+          <a:schemeClr val="tx1"/>
+        </a:solidFill>
+        <a:latin typeface="+mn-lt"/>
+        <a:ea typeface="+mn-ea"/>
+        <a:cs typeface="+mn-cs"/>
+      </a:defRPr>
+    </a:lvl3pPr>
+    <a:lvl4pPr marL="1371600" algn="l" defTabSz="914400" rtl="0" eaLnBrk="1" latinLnBrk="0" hangingPunct="1">
+      <a:defRPr sz="1200" kern="1200">
+        <a:solidFill>
+          <a:schemeClr val="tx1"/>
+        </a:solidFill>
+        <a:latin typeface="+mn-lt"/>
+        <a:ea typeface="+mn-ea"/>
+        <a:cs typeface="+mn-cs"/>
+      </a:defRPr>
+    </a:lvl4pPr>
+    <a:lvl5pPr marL="1828800" algn="l" defTabSz="914400" rtl="0" eaLnBrk="1" latinLnBrk="0" hangingPunct="1">
+      <a:defRPr sz="1200" kern="1200">
+        <a:solidFill>
+          <a:schemeClr val="tx1"/>
+        </a:solidFill>
+        <a:latin typeface="+mn-lt"/>
+        <a:ea typeface="+mn-ea"/>
+        <a:cs typeface="+mn-cs"/>
+      </a:defRPr>
+    </a:lvl5pPr>
+    <a:lvl6pPr marL="2286000" algn="l" defTabSz="914400" rtl="0" eaLnBrk="1" latinLnBrk="0" hangingPunct="1">
+      <a:defRPr sz="1200" kern="1200">
+        <a:solidFill>
+          <a:schemeClr val="tx1"/>
+        </a:solidFill>
+        <a:latin typeface="+mn-lt"/>
+        <a:ea typeface="+mn-ea"/>
+        <a:cs typeface="+mn-cs"/>
+      </a:defRPr>
+    </a:lvl6pPr>
+    <a:lvl7pPr marL="2743200" algn="l" defTabSz="914400" rtl="0" eaLnBrk="1" latinLnBrk="0" hangingPunct="1">
+      <a:defRPr sz="1200" kern="1200">
+        <a:solidFill>
+          <a:schemeClr val="tx1"/>
+        </a:solidFill>
+        <a:latin typeface="+mn-lt"/>
+        <a:ea typeface="+mn-ea"/>
+        <a:cs typeface="+mn-cs"/>
+      </a:defRPr>
+    </a:lvl7pPr>
+    <a:lvl8pPr marL="3200400" algn="l" defTabSz="914400" rtl="0" eaLnBrk="1" latinLnBrk="0" hangingPunct="1">
+      <a:defRPr sz="1200" kern="1200">
+        <a:solidFill>
+          <a:schemeClr val="tx1"/>
+        </a:solidFill>
+        <a:latin typeface="+mn-lt"/>
+        <a:ea typeface="+mn-ea"/>
+        <a:cs typeface="+mn-cs"/>
+      </a:defRPr>
+    </a:lvl8pPr>
+    <a:lvl9pPr marL="3657600" algn="l" defTabSz="914400" rtl="0" eaLnBrk="1" latinLnBrk="0" hangingPunct="1">
+      <a:defRPr sz="1200" kern="1200">
+        <a:solidFill>
+          <a:schemeClr val="tx1"/>
+        </a:solidFill>
+        <a:latin typeface="+mn-lt"/>
+        <a:ea typeface="+mn-ea"/>
+        <a:cs typeface="+mn-cs"/>
+      </a:defRPr>
+    </a:lvl9pPr>
+  </p:notesStyle>
+</p:notesMaster>
+</file>
+
 <file path=ppt/slideLayouts/slideLayout1.xml><?xml version="1.0" encoding="utf-8"?>
 <p:sldLayout xmlns:a="http://schemas.openxmlformats.org/drawingml/2006/main" xmlns:r="http://schemas.openxmlformats.org/officeDocument/2006/relationships" xmlns:p="http://schemas.openxmlformats.org/presentationml/2006/main" type="title" preserve="1">
   <p:cSld name="Title Slide">
@@ -273,9 +625,9 @@
           <a:bodyPr/>
           <a:lstStyle/>
           <a:p>
-            <a:fld id="{CF2D4251-BB2D-49C1-B5CD-24763424ED1F}" type="datetimeFigureOut">
+            <a:fld id="{6DE7834F-4745-4646-A05D-F82ECF723B53}" type="datetime1">
               <a:rPr lang="en-US" smtClean="0"/>
-              <a:t>2020-05-05</a:t>
+              <a:t>2020-06-08</a:t>
             </a:fld>
             <a:endParaRPr lang="en-US"/>
           </a:p>
@@ -443,9 +795,9 @@
           <a:bodyPr/>
           <a:lstStyle/>
           <a:p>
-            <a:fld id="{CF2D4251-BB2D-49C1-B5CD-24763424ED1F}" type="datetimeFigureOut">
+            <a:fld id="{B40C84D5-C3AE-4F63-8C78-918C61E8A63F}" type="datetime1">
               <a:rPr lang="en-US" smtClean="0"/>
-              <a:t>2020-05-05</a:t>
+              <a:t>2020-06-08</a:t>
             </a:fld>
             <a:endParaRPr lang="en-US"/>
           </a:p>
@@ -623,9 +975,9 @@
           <a:bodyPr/>
           <a:lstStyle/>
           <a:p>
-            <a:fld id="{CF2D4251-BB2D-49C1-B5CD-24763424ED1F}" type="datetimeFigureOut">
+            <a:fld id="{FB789A1C-1E0C-485C-A53E-13509781A33D}" type="datetime1">
               <a:rPr lang="en-US" smtClean="0"/>
-              <a:t>2020-05-05</a:t>
+              <a:t>2020-06-08</a:t>
             </a:fld>
             <a:endParaRPr lang="en-US"/>
           </a:p>
@@ -793,9 +1145,9 @@
           <a:bodyPr/>
           <a:lstStyle/>
           <a:p>
-            <a:fld id="{CF2D4251-BB2D-49C1-B5CD-24763424ED1F}" type="datetimeFigureOut">
+            <a:fld id="{EF3AFFAE-6350-4894-8608-60A138B8B9C5}" type="datetime1">
               <a:rPr lang="en-US" smtClean="0"/>
-              <a:t>2020-05-05</a:t>
+              <a:t>2020-06-08</a:t>
             </a:fld>
             <a:endParaRPr lang="en-US"/>
           </a:p>
@@ -1053,9 +1405,9 @@
           <a:bodyPr/>
           <a:lstStyle/>
           <a:p>
-            <a:fld id="{CF2D4251-BB2D-49C1-B5CD-24763424ED1F}" type="datetimeFigureOut">
+            <a:fld id="{E8F1E9BE-0301-47E7-A696-93983451FA84}" type="datetime1">
               <a:rPr lang="en-US" smtClean="0"/>
-              <a:t>2020-05-05</a:t>
+              <a:t>2020-06-08</a:t>
             </a:fld>
             <a:endParaRPr lang="en-US"/>
           </a:p>
@@ -1285,9 +1637,9 @@
           <a:bodyPr/>
           <a:lstStyle/>
           <a:p>
-            <a:fld id="{CF2D4251-BB2D-49C1-B5CD-24763424ED1F}" type="datetimeFigureOut">
+            <a:fld id="{BF510A0D-7BC7-4FB7-A732-09BDEA0B5A6B}" type="datetime1">
               <a:rPr lang="en-US" smtClean="0"/>
-              <a:t>2020-05-05</a:t>
+              <a:t>2020-06-08</a:t>
             </a:fld>
             <a:endParaRPr lang="en-US"/>
           </a:p>
@@ -1640,9 +1992,9 @@
           <a:bodyPr/>
           <a:lstStyle/>
           <a:p>
-            <a:fld id="{CF2D4251-BB2D-49C1-B5CD-24763424ED1F}" type="datetimeFigureOut">
+            <a:fld id="{57895EE2-299D-40F1-93A1-789A014937D4}" type="datetime1">
               <a:rPr lang="en-US" smtClean="0"/>
-              <a:t>2020-05-05</a:t>
+              <a:t>2020-06-08</a:t>
             </a:fld>
             <a:endParaRPr lang="en-US"/>
           </a:p>
@@ -1781,9 +2133,9 @@
           <a:bodyPr/>
           <a:lstStyle/>
           <a:p>
-            <a:fld id="{CF2D4251-BB2D-49C1-B5CD-24763424ED1F}" type="datetimeFigureOut">
+            <a:fld id="{581BD616-66CB-4199-90CE-0836AD531BFD}" type="datetime1">
               <a:rPr lang="en-US" smtClean="0"/>
-              <a:t>2020-05-05</a:t>
+              <a:t>2020-06-08</a:t>
             </a:fld>
             <a:endParaRPr lang="en-US"/>
           </a:p>
@@ -1876,9 +2228,9 @@
           <a:bodyPr/>
           <a:lstStyle/>
           <a:p>
-            <a:fld id="{CF2D4251-BB2D-49C1-B5CD-24763424ED1F}" type="datetimeFigureOut">
+            <a:fld id="{136E83D2-B3E3-4C09-AD80-C8366CACF510}" type="datetime1">
               <a:rPr lang="en-US" smtClean="0"/>
-              <a:t>2020-05-05</a:t>
+              <a:t>2020-06-08</a:t>
             </a:fld>
             <a:endParaRPr lang="en-US"/>
           </a:p>
@@ -2233,9 +2585,9 @@
           <a:bodyPr/>
           <a:lstStyle/>
           <a:p>
-            <a:fld id="{CF2D4251-BB2D-49C1-B5CD-24763424ED1F}" type="datetimeFigureOut">
+            <a:fld id="{5D98B2C2-5B6E-4D69-8E24-7F8E532752C6}" type="datetime1">
               <a:rPr lang="en-US" smtClean="0"/>
-              <a:t>2020-05-05</a:t>
+              <a:t>2020-06-08</a:t>
             </a:fld>
             <a:endParaRPr lang="en-US"/>
           </a:p>
@@ -2551,9 +2903,9 @@
             </a:lvl1pPr>
           </a:lstStyle>
           <a:p>
-            <a:fld id="{CF2D4251-BB2D-49C1-B5CD-24763424ED1F}" type="datetimeFigureOut">
+            <a:fld id="{CEC7C22A-D4A1-49D4-9DAA-BBDAF311D20B}" type="datetime1">
               <a:rPr lang="en-US" smtClean="0"/>
-              <a:t>2020-05-05</a:t>
+              <a:t>2020-06-08</a:t>
             </a:fld>
             <a:endParaRPr lang="en-US"/>
           </a:p>
@@ -2796,9 +3148,9 @@
             </a:lvl1pPr>
           </a:lstStyle>
           <a:p>
-            <a:fld id="{CF2D4251-BB2D-49C1-B5CD-24763424ED1F}" type="datetimeFigureOut">
+            <a:fld id="{9F04546D-5C33-498D-8727-E24BA64AA87C}" type="datetime1">
               <a:rPr lang="en-US" smtClean="0"/>
-              <a:t>2020-05-05</a:t>
+              <a:t>2020-06-08</a:t>
             </a:fld>
             <a:endParaRPr lang="en-US"/>
           </a:p>
@@ -2908,6 +3260,7 @@
     <p:sldLayoutId id="2147484106" r:id="rId10"/>
     <p:sldLayoutId id="2147484107" r:id="rId11"/>
   </p:sldLayoutIdLst>
+  <p:hf hdr="0" ftr="0" dt="0"/>
   <p:txStyles>
     <p:titleStyle>
       <a:lvl1pPr algn="ctr" defTabSz="914400" rtl="0" eaLnBrk="1" latinLnBrk="0" hangingPunct="1">
@@ -4222,6 +4575,51 @@
           </p:sp>
         </mc:Fallback>
       </mc:AlternateContent>
+      <p:sp>
+        <p:nvSpPr>
+          <p:cNvPr id="4" name="Slide Number Placeholder 3">
+            <a:extLst>
+              <a:ext uri="{FF2B5EF4-FFF2-40B4-BE49-F238E27FC236}">
+                <a16:creationId xmlns:a16="http://schemas.microsoft.com/office/drawing/2014/main" id="{EBF138FB-C198-4736-BFEC-F9DD50B0DAE2}"/>
+              </a:ext>
+            </a:extLst>
+          </p:cNvPr>
+          <p:cNvSpPr>
+            <a:spLocks noGrp="1"/>
+          </p:cNvSpPr>
+          <p:nvPr>
+            <p:ph type="sldNum" sz="quarter" idx="12"/>
+          </p:nvPr>
+        </p:nvSpPr>
+        <p:spPr/>
+        <p:txBody>
+          <a:bodyPr anchor="ctr"/>
+          <a:lstStyle/>
+          <a:p>
+            <a:pPr rtl="1">
+              <a:spcBef>
+                <a:spcPts val="1200"/>
+              </a:spcBef>
+            </a:pPr>
+            <a:fld id="{FA087F49-9220-4117-81C9-9E851AA082BA}" type="slidenum">
+              <a:rPr lang="en-US" smtClean="0">
+                <a:latin typeface="Vazir FD" panose="020B0603030804020204" pitchFamily="34" charset="-78"/>
+                <a:cs typeface="B Nazanin" panose="00000400000000000000" pitchFamily="2" charset="-78"/>
+              </a:rPr>
+              <a:pPr rtl="1">
+                <a:spcBef>
+                  <a:spcPts val="1200"/>
+                </a:spcBef>
+              </a:pPr>
+              <a:t>2</a:t>
+            </a:fld>
+            <a:endParaRPr lang="en-US" dirty="0">
+              <a:latin typeface="Vazir FD" panose="020B0603030804020204" pitchFamily="34" charset="-78"/>
+              <a:cs typeface="B Nazanin" panose="00000400000000000000" pitchFamily="2" charset="-78"/>
+            </a:endParaRPr>
+          </a:p>
+        </p:txBody>
+      </p:sp>
     </p:spTree>
     <p:extLst>
       <p:ext uri="{BB962C8B-B14F-4D97-AF65-F5344CB8AC3E}">
@@ -4419,6 +4817,41 @@
           </a:prstGeom>
         </p:spPr>
       </p:pic>
+      <p:sp>
+        <p:nvSpPr>
+          <p:cNvPr id="3" name="Slide Number Placeholder 2">
+            <a:extLst>
+              <a:ext uri="{FF2B5EF4-FFF2-40B4-BE49-F238E27FC236}">
+                <a16:creationId xmlns:a16="http://schemas.microsoft.com/office/drawing/2014/main" id="{FEC80251-483C-42B0-90B6-DCCF5B9E8292}"/>
+              </a:ext>
+            </a:extLst>
+          </p:cNvPr>
+          <p:cNvSpPr>
+            <a:spLocks noGrp="1"/>
+          </p:cNvSpPr>
+          <p:nvPr>
+            <p:ph type="sldNum" sz="quarter" idx="12"/>
+          </p:nvPr>
+        </p:nvSpPr>
+        <p:spPr/>
+        <p:txBody>
+          <a:bodyPr/>
+          <a:lstStyle/>
+          <a:p>
+            <a:fld id="{FA087F49-9220-4117-81C9-9E851AA082BA}" type="slidenum">
+              <a:rPr lang="en-US" smtClean="0">
+                <a:latin typeface="Vazir FD" panose="020B0603030804020204" pitchFamily="34" charset="-78"/>
+                <a:cs typeface="Vazir FD" panose="020B0603030804020204" pitchFamily="34" charset="-78"/>
+              </a:rPr>
+              <a:t>3</a:t>
+            </a:fld>
+            <a:endParaRPr lang="en-US" dirty="0">
+              <a:latin typeface="Vazir FD" panose="020B0603030804020204" pitchFamily="34" charset="-78"/>
+              <a:cs typeface="Vazir FD" panose="020B0603030804020204" pitchFamily="34" charset="-78"/>
+            </a:endParaRPr>
+          </a:p>
+        </p:txBody>
+      </p:sp>
     </p:spTree>
     <p:extLst>
       <p:ext uri="{BB962C8B-B14F-4D97-AF65-F5344CB8AC3E}">
@@ -4880,6 +5313,41 @@
           </a:p>
         </p:txBody>
       </p:sp>
+      <p:sp>
+        <p:nvSpPr>
+          <p:cNvPr id="4" name="Slide Number Placeholder 3">
+            <a:extLst>
+              <a:ext uri="{FF2B5EF4-FFF2-40B4-BE49-F238E27FC236}">
+                <a16:creationId xmlns:a16="http://schemas.microsoft.com/office/drawing/2014/main" id="{A5BE7850-3650-4AFA-A8C2-ED08FD6C9BB2}"/>
+              </a:ext>
+            </a:extLst>
+          </p:cNvPr>
+          <p:cNvSpPr>
+            <a:spLocks noGrp="1"/>
+          </p:cNvSpPr>
+          <p:nvPr>
+            <p:ph type="sldNum" sz="quarter" idx="12"/>
+          </p:nvPr>
+        </p:nvSpPr>
+        <p:spPr/>
+        <p:txBody>
+          <a:bodyPr/>
+          <a:lstStyle/>
+          <a:p>
+            <a:fld id="{FA087F49-9220-4117-81C9-9E851AA082BA}" type="slidenum">
+              <a:rPr lang="en-US" smtClean="0">
+                <a:latin typeface="Vazir FD" panose="020B0603030804020204" pitchFamily="34" charset="-78"/>
+                <a:cs typeface="Vazir FD" panose="020B0603030804020204" pitchFamily="34" charset="-78"/>
+              </a:rPr>
+              <a:t>4</a:t>
+            </a:fld>
+            <a:endParaRPr lang="en-US" dirty="0">
+              <a:latin typeface="Vazir FD" panose="020B0603030804020204" pitchFamily="34" charset="-78"/>
+              <a:cs typeface="Vazir FD" panose="020B0603030804020204" pitchFamily="34" charset="-78"/>
+            </a:endParaRPr>
+          </a:p>
+        </p:txBody>
+      </p:sp>
     </p:spTree>
     <p:extLst>
       <p:ext uri="{BB962C8B-B14F-4D97-AF65-F5344CB8AC3E}">
@@ -4943,12 +5411,47 @@
           </a:p>
         </p:txBody>
       </p:sp>
+      <p:sp>
+        <p:nvSpPr>
+          <p:cNvPr id="3" name="Slide Number Placeholder 2">
+            <a:extLst>
+              <a:ext uri="{FF2B5EF4-FFF2-40B4-BE49-F238E27FC236}">
+                <a16:creationId xmlns:a16="http://schemas.microsoft.com/office/drawing/2014/main" id="{1CFA75EB-5011-48E6-80A6-9AEC3BDE294C}"/>
+              </a:ext>
+            </a:extLst>
+          </p:cNvPr>
+          <p:cNvSpPr>
+            <a:spLocks noGrp="1"/>
+          </p:cNvSpPr>
+          <p:nvPr>
+            <p:ph type="sldNum" sz="quarter" idx="12"/>
+          </p:nvPr>
+        </p:nvSpPr>
+        <p:spPr/>
+        <p:txBody>
+          <a:bodyPr/>
+          <a:lstStyle/>
+          <a:p>
+            <a:fld id="{FA087F49-9220-4117-81C9-9E851AA082BA}" type="slidenum">
+              <a:rPr lang="en-US" smtClean="0">
+                <a:latin typeface="Vazir FD" panose="020B0603030804020204" pitchFamily="34" charset="-78"/>
+                <a:cs typeface="Vazir FD" panose="020B0603030804020204" pitchFamily="34" charset="-78"/>
+              </a:rPr>
+              <a:t>5</a:t>
+            </a:fld>
+            <a:endParaRPr lang="en-US" dirty="0">
+              <a:latin typeface="Vazir FD" panose="020B0603030804020204" pitchFamily="34" charset="-78"/>
+              <a:cs typeface="Vazir FD" panose="020B0603030804020204" pitchFamily="34" charset="-78"/>
+            </a:endParaRPr>
+          </a:p>
+        </p:txBody>
+      </p:sp>
       <p:pic>
         <p:nvPicPr>
-          <p:cNvPr id="6" name="Content Placeholder 5">
+          <p:cNvPr id="8" name="Content Placeholder 7">
             <a:extLst>
               <a:ext uri="{FF2B5EF4-FFF2-40B4-BE49-F238E27FC236}">
-                <a16:creationId xmlns:a16="http://schemas.microsoft.com/office/drawing/2014/main" id="{83A4C035-ED99-498E-9C4F-3DEDAAAA81C5}"/>
+                <a16:creationId xmlns:a16="http://schemas.microsoft.com/office/drawing/2014/main" id="{CBD43EBA-DCAF-4027-B469-2280322038B2}"/>
               </a:ext>
             </a:extLst>
           </p:cNvPr>
@@ -4964,9 +5467,6 @@
             <a:extLst>
               <a:ext uri="{28A0092B-C50C-407E-A947-70E740481C1C}">
                 <a14:useLocalDpi xmlns:a14="http://schemas.microsoft.com/office/drawing/2010/main" val="0"/>
-              </a:ext>
-              <a:ext uri="{96DAC541-7B7A-43D3-8B79-37D633B846F1}">
-                <asvg:svgBlip xmlns:asvg="http://schemas.microsoft.com/office/drawing/2016/SVG/main" r:embed="rId3"/>
               </a:ext>
             </a:extLst>
           </a:blip>
@@ -4976,8 +5476,8 @@
         </p:blipFill>
         <p:spPr>
           <a:xfrm>
-            <a:off x="1055992" y="1669410"/>
-            <a:ext cx="10080016" cy="5040006"/>
+            <a:off x="1067318" y="1675072"/>
+            <a:ext cx="10057364" cy="5028682"/>
           </a:xfrm>
         </p:spPr>
       </p:pic>
@@ -5326,6 +5826,41 @@
           </a:p>
         </p:txBody>
       </p:sp>
+      <p:sp>
+        <p:nvSpPr>
+          <p:cNvPr id="4" name="Slide Number Placeholder 3">
+            <a:extLst>
+              <a:ext uri="{FF2B5EF4-FFF2-40B4-BE49-F238E27FC236}">
+                <a16:creationId xmlns:a16="http://schemas.microsoft.com/office/drawing/2014/main" id="{56FE069D-4A79-4F22-87EC-3CA4C914CE9C}"/>
+              </a:ext>
+            </a:extLst>
+          </p:cNvPr>
+          <p:cNvSpPr>
+            <a:spLocks noGrp="1"/>
+          </p:cNvSpPr>
+          <p:nvPr>
+            <p:ph type="sldNum" sz="quarter" idx="12"/>
+          </p:nvPr>
+        </p:nvSpPr>
+        <p:spPr/>
+        <p:txBody>
+          <a:bodyPr/>
+          <a:lstStyle/>
+          <a:p>
+            <a:fld id="{FA087F49-9220-4117-81C9-9E851AA082BA}" type="slidenum">
+              <a:rPr lang="en-US" smtClean="0">
+                <a:latin typeface="Vazir FD" panose="020B0603030804020204" pitchFamily="34" charset="-78"/>
+                <a:cs typeface="Vazir FD" panose="020B0603030804020204" pitchFamily="34" charset="-78"/>
+              </a:rPr>
+              <a:t>6</a:t>
+            </a:fld>
+            <a:endParaRPr lang="en-US" dirty="0">
+              <a:latin typeface="Vazir FD" panose="020B0603030804020204" pitchFamily="34" charset="-78"/>
+              <a:cs typeface="Vazir FD" panose="020B0603030804020204" pitchFamily="34" charset="-78"/>
+            </a:endParaRPr>
+          </a:p>
+        </p:txBody>
+      </p:sp>
     </p:spTree>
     <p:extLst>
       <p:ext uri="{BB962C8B-B14F-4D97-AF65-F5344CB8AC3E}">
@@ -5586,6 +6121,41 @@
           </a:p>
         </p:txBody>
       </p:sp>
+      <p:sp>
+        <p:nvSpPr>
+          <p:cNvPr id="4" name="Slide Number Placeholder 3">
+            <a:extLst>
+              <a:ext uri="{FF2B5EF4-FFF2-40B4-BE49-F238E27FC236}">
+                <a16:creationId xmlns:a16="http://schemas.microsoft.com/office/drawing/2014/main" id="{2481419E-CA7E-4790-871D-CE7BA77F613D}"/>
+              </a:ext>
+            </a:extLst>
+          </p:cNvPr>
+          <p:cNvSpPr>
+            <a:spLocks noGrp="1"/>
+          </p:cNvSpPr>
+          <p:nvPr>
+            <p:ph type="sldNum" sz="quarter" idx="12"/>
+          </p:nvPr>
+        </p:nvSpPr>
+        <p:spPr/>
+        <p:txBody>
+          <a:bodyPr/>
+          <a:lstStyle/>
+          <a:p>
+            <a:fld id="{FA087F49-9220-4117-81C9-9E851AA082BA}" type="slidenum">
+              <a:rPr lang="en-US" smtClean="0">
+                <a:latin typeface="Vazir FD" panose="020B0603030804020204" pitchFamily="34" charset="-78"/>
+                <a:cs typeface="Vazir FD" panose="020B0603030804020204" pitchFamily="34" charset="-78"/>
+              </a:rPr>
+              <a:t>7</a:t>
+            </a:fld>
+            <a:endParaRPr lang="en-US" dirty="0">
+              <a:latin typeface="Vazir FD" panose="020B0603030804020204" pitchFamily="34" charset="-78"/>
+              <a:cs typeface="Vazir FD" panose="020B0603030804020204" pitchFamily="34" charset="-78"/>
+            </a:endParaRPr>
+          </a:p>
+        </p:txBody>
+      </p:sp>
     </p:spTree>
     <p:extLst>
       <p:ext uri="{BB962C8B-B14F-4D97-AF65-F5344CB8AC3E}">
@@ -5819,6 +6389,41 @@
                 <a:srgbClr val="0070C0"/>
               </a:solidFill>
               <a:cs typeface="B Nazanin" panose="00000400000000000000" pitchFamily="2" charset="-78"/>
+            </a:endParaRPr>
+          </a:p>
+        </p:txBody>
+      </p:sp>
+      <p:sp>
+        <p:nvSpPr>
+          <p:cNvPr id="4" name="Slide Number Placeholder 3">
+            <a:extLst>
+              <a:ext uri="{FF2B5EF4-FFF2-40B4-BE49-F238E27FC236}">
+                <a16:creationId xmlns:a16="http://schemas.microsoft.com/office/drawing/2014/main" id="{0ED92A07-91FF-424D-BA9F-04B46C6919B7}"/>
+              </a:ext>
+            </a:extLst>
+          </p:cNvPr>
+          <p:cNvSpPr>
+            <a:spLocks noGrp="1"/>
+          </p:cNvSpPr>
+          <p:nvPr>
+            <p:ph type="sldNum" sz="quarter" idx="12"/>
+          </p:nvPr>
+        </p:nvSpPr>
+        <p:spPr/>
+        <p:txBody>
+          <a:bodyPr/>
+          <a:lstStyle/>
+          <a:p>
+            <a:fld id="{FA087F49-9220-4117-81C9-9E851AA082BA}" type="slidenum">
+              <a:rPr lang="en-US" smtClean="0">
+                <a:latin typeface="Vazir FD" panose="020B0603030804020204" pitchFamily="34" charset="-78"/>
+                <a:cs typeface="Vazir FD" panose="020B0603030804020204" pitchFamily="34" charset="-78"/>
+              </a:rPr>
+              <a:t>8</a:t>
+            </a:fld>
+            <a:endParaRPr lang="en-US" dirty="0">
+              <a:latin typeface="Vazir FD" panose="020B0603030804020204" pitchFamily="34" charset="-78"/>
+              <a:cs typeface="Vazir FD" panose="020B0603030804020204" pitchFamily="34" charset="-78"/>
             </a:endParaRPr>
           </a:p>
         </p:txBody>
@@ -6165,4 +6770,299 @@
     </a:ext>
   </a:extLst>
 </a:theme>
+</file>
+
+<file path=ppt/theme/theme2.xml><?xml version="1.0" encoding="utf-8"?>
+<a:theme xmlns:a="http://schemas.openxmlformats.org/drawingml/2006/main" name="Office Theme">
+  <a:themeElements>
+    <a:clrScheme name="Office">
+      <a:dk1>
+        <a:sysClr val="windowText" lastClr="000000"/>
+      </a:dk1>
+      <a:lt1>
+        <a:sysClr val="window" lastClr="FFFFFF"/>
+      </a:lt1>
+      <a:dk2>
+        <a:srgbClr val="44546A"/>
+      </a:dk2>
+      <a:lt2>
+        <a:srgbClr val="E7E6E6"/>
+      </a:lt2>
+      <a:accent1>
+        <a:srgbClr val="4472C4"/>
+      </a:accent1>
+      <a:accent2>
+        <a:srgbClr val="ED7D31"/>
+      </a:accent2>
+      <a:accent3>
+        <a:srgbClr val="A5A5A5"/>
+      </a:accent3>
+      <a:accent4>
+        <a:srgbClr val="FFC000"/>
+      </a:accent4>
+      <a:accent5>
+        <a:srgbClr val="5B9BD5"/>
+      </a:accent5>
+      <a:accent6>
+        <a:srgbClr val="70AD47"/>
+      </a:accent6>
+      <a:hlink>
+        <a:srgbClr val="0563C1"/>
+      </a:hlink>
+      <a:folHlink>
+        <a:srgbClr val="954F72"/>
+      </a:folHlink>
+    </a:clrScheme>
+    <a:fontScheme name="Office">
+      <a:majorFont>
+        <a:latin typeface="Calibri Light" panose="020F0302020204030204"/>
+        <a:ea typeface=""/>
+        <a:cs typeface=""/>
+        <a:font script="Jpan" typeface="游ゴシック Light"/>
+        <a:font script="Hang" typeface="맑은 고딕"/>
+        <a:font script="Hans" typeface="等线 Light"/>
+        <a:font script="Hant" typeface="新細明體"/>
+        <a:font script="Arab" typeface="Times New Roman"/>
+        <a:font script="Hebr" typeface="Times New Roman"/>
+        <a:font script="Thai" typeface="Angsana New"/>
+        <a:font script="Ethi" typeface="Nyala"/>
+        <a:font script="Beng" typeface="Vrinda"/>
+        <a:font script="Gujr" typeface="Shruti"/>
+        <a:font script="Khmr" typeface="MoolBoran"/>
+        <a:font script="Knda" typeface="Tunga"/>
+        <a:font script="Guru" typeface="Raavi"/>
+        <a:font script="Cans" typeface="Euphemia"/>
+        <a:font script="Cher" typeface="Plantagenet Cherokee"/>
+        <a:font script="Yiii" typeface="Microsoft Yi Baiti"/>
+        <a:font script="Tibt" typeface="Microsoft Himalaya"/>
+        <a:font script="Thaa" typeface="MV Boli"/>
+        <a:font script="Deva" typeface="Mangal"/>
+        <a:font script="Telu" typeface="Gautami"/>
+        <a:font script="Taml" typeface="Latha"/>
+        <a:font script="Syrc" typeface="Estrangelo Edessa"/>
+        <a:font script="Orya" typeface="Kalinga"/>
+        <a:font script="Mlym" typeface="Kartika"/>
+        <a:font script="Laoo" typeface="DokChampa"/>
+        <a:font script="Sinh" typeface="Iskoola Pota"/>
+        <a:font script="Mong" typeface="Mongolian Baiti"/>
+        <a:font script="Viet" typeface="Times New Roman"/>
+        <a:font script="Uigh" typeface="Microsoft Uighur"/>
+        <a:font script="Geor" typeface="Sylfaen"/>
+        <a:font script="Armn" typeface="Arial"/>
+        <a:font script="Bugi" typeface="Leelawadee UI"/>
+        <a:font script="Bopo" typeface="Microsoft JhengHei"/>
+        <a:font script="Java" typeface="Javanese Text"/>
+        <a:font script="Lisu" typeface="Segoe UI"/>
+        <a:font script="Mymr" typeface="Myanmar Text"/>
+        <a:font script="Nkoo" typeface="Ebrima"/>
+        <a:font script="Olck" typeface="Nirmala UI"/>
+        <a:font script="Osma" typeface="Ebrima"/>
+        <a:font script="Phag" typeface="Phagspa"/>
+        <a:font script="Syrn" typeface="Estrangelo Edessa"/>
+        <a:font script="Syrj" typeface="Estrangelo Edessa"/>
+        <a:font script="Syre" typeface="Estrangelo Edessa"/>
+        <a:font script="Sora" typeface="Nirmala UI"/>
+        <a:font script="Tale" typeface="Microsoft Tai Le"/>
+        <a:font script="Talu" typeface="Microsoft New Tai Lue"/>
+        <a:font script="Tfng" typeface="Ebrima"/>
+      </a:majorFont>
+      <a:minorFont>
+        <a:latin typeface="Calibri" panose="020F0502020204030204"/>
+        <a:ea typeface=""/>
+        <a:cs typeface=""/>
+        <a:font script="Jpan" typeface="游ゴシック"/>
+        <a:font script="Hang" typeface="맑은 고딕"/>
+        <a:font script="Hans" typeface="等线"/>
+        <a:font script="Hant" typeface="新細明體"/>
+        <a:font script="Arab" typeface="Arial"/>
+        <a:font script="Hebr" typeface="Arial"/>
+        <a:font script="Thai" typeface="Cordia New"/>
+        <a:font script="Ethi" typeface="Nyala"/>
+        <a:font script="Beng" typeface="Vrinda"/>
+        <a:font script="Gujr" typeface="Shruti"/>
+        <a:font script="Khmr" typeface="DaunPenh"/>
+        <a:font script="Knda" typeface="Tunga"/>
+        <a:font script="Guru" typeface="Raavi"/>
+        <a:font script="Cans" typeface="Euphemia"/>
+        <a:font script="Cher" typeface="Plantagenet Cherokee"/>
+        <a:font script="Yiii" typeface="Microsoft Yi Baiti"/>
+        <a:font script="Tibt" typeface="Microsoft Himalaya"/>
+        <a:font script="Thaa" typeface="MV Boli"/>
+        <a:font script="Deva" typeface="Mangal"/>
+        <a:font script="Telu" typeface="Gautami"/>
+        <a:font script="Taml" typeface="Latha"/>
+        <a:font script="Syrc" typeface="Estrangelo Edessa"/>
+        <a:font script="Orya" typeface="Kalinga"/>
+        <a:font script="Mlym" typeface="Kartika"/>
+        <a:font script="Laoo" typeface="DokChampa"/>
+        <a:font script="Sinh" typeface="Iskoola Pota"/>
+        <a:font script="Mong" typeface="Mongolian Baiti"/>
+        <a:font script="Viet" typeface="Arial"/>
+        <a:font script="Uigh" typeface="Microsoft Uighur"/>
+        <a:font script="Geor" typeface="Sylfaen"/>
+        <a:font script="Armn" typeface="Arial"/>
+        <a:font script="Bugi" typeface="Leelawadee UI"/>
+        <a:font script="Bopo" typeface="Microsoft JhengHei"/>
+        <a:font script="Java" typeface="Javanese Text"/>
+        <a:font script="Lisu" typeface="Segoe UI"/>
+        <a:font script="Mymr" typeface="Myanmar Text"/>
+        <a:font script="Nkoo" typeface="Ebrima"/>
+        <a:font script="Olck" typeface="Nirmala UI"/>
+        <a:font script="Osma" typeface="Ebrima"/>
+        <a:font script="Phag" typeface="Phagspa"/>
+        <a:font script="Syrn" typeface="Estrangelo Edessa"/>
+        <a:font script="Syrj" typeface="Estrangelo Edessa"/>
+        <a:font script="Syre" typeface="Estrangelo Edessa"/>
+        <a:font script="Sora" typeface="Nirmala UI"/>
+        <a:font script="Tale" typeface="Microsoft Tai Le"/>
+        <a:font script="Talu" typeface="Microsoft New Tai Lue"/>
+        <a:font script="Tfng" typeface="Ebrima"/>
+      </a:minorFont>
+    </a:fontScheme>
+    <a:fmtScheme name="Office">
+      <a:fillStyleLst>
+        <a:solidFill>
+          <a:schemeClr val="phClr"/>
+        </a:solidFill>
+        <a:gradFill rotWithShape="1">
+          <a:gsLst>
+            <a:gs pos="0">
+              <a:schemeClr val="phClr">
+                <a:lumMod val="110000"/>
+                <a:satMod val="105000"/>
+                <a:tint val="67000"/>
+              </a:schemeClr>
+            </a:gs>
+            <a:gs pos="50000">
+              <a:schemeClr val="phClr">
+                <a:lumMod val="105000"/>
+                <a:satMod val="103000"/>
+                <a:tint val="73000"/>
+              </a:schemeClr>
+            </a:gs>
+            <a:gs pos="100000">
+              <a:schemeClr val="phClr">
+                <a:lumMod val="105000"/>
+                <a:satMod val="109000"/>
+                <a:tint val="81000"/>
+              </a:schemeClr>
+            </a:gs>
+          </a:gsLst>
+          <a:lin ang="5400000" scaled="0"/>
+        </a:gradFill>
+        <a:gradFill rotWithShape="1">
+          <a:gsLst>
+            <a:gs pos="0">
+              <a:schemeClr val="phClr">
+                <a:satMod val="103000"/>
+                <a:lumMod val="102000"/>
+                <a:tint val="94000"/>
+              </a:schemeClr>
+            </a:gs>
+            <a:gs pos="50000">
+              <a:schemeClr val="phClr">
+                <a:satMod val="110000"/>
+                <a:lumMod val="100000"/>
+                <a:shade val="100000"/>
+              </a:schemeClr>
+            </a:gs>
+            <a:gs pos="100000">
+              <a:schemeClr val="phClr">
+                <a:lumMod val="99000"/>
+                <a:satMod val="120000"/>
+                <a:shade val="78000"/>
+              </a:schemeClr>
+            </a:gs>
+          </a:gsLst>
+          <a:lin ang="5400000" scaled="0"/>
+        </a:gradFill>
+      </a:fillStyleLst>
+      <a:lnStyleLst>
+        <a:ln w="6350" cap="flat" cmpd="sng" algn="ctr">
+          <a:solidFill>
+            <a:schemeClr val="phClr"/>
+          </a:solidFill>
+          <a:prstDash val="solid"/>
+          <a:miter lim="800000"/>
+        </a:ln>
+        <a:ln w="12700" cap="flat" cmpd="sng" algn="ctr">
+          <a:solidFill>
+            <a:schemeClr val="phClr"/>
+          </a:solidFill>
+          <a:prstDash val="solid"/>
+          <a:miter lim="800000"/>
+        </a:ln>
+        <a:ln w="19050" cap="flat" cmpd="sng" algn="ctr">
+          <a:solidFill>
+            <a:schemeClr val="phClr"/>
+          </a:solidFill>
+          <a:prstDash val="solid"/>
+          <a:miter lim="800000"/>
+        </a:ln>
+      </a:lnStyleLst>
+      <a:effectStyleLst>
+        <a:effectStyle>
+          <a:effectLst/>
+        </a:effectStyle>
+        <a:effectStyle>
+          <a:effectLst/>
+        </a:effectStyle>
+        <a:effectStyle>
+          <a:effectLst>
+            <a:outerShdw blurRad="57150" dist="19050" dir="5400000" algn="ctr" rotWithShape="0">
+              <a:srgbClr val="000000">
+                <a:alpha val="63000"/>
+              </a:srgbClr>
+            </a:outerShdw>
+          </a:effectLst>
+        </a:effectStyle>
+      </a:effectStyleLst>
+      <a:bgFillStyleLst>
+        <a:solidFill>
+          <a:schemeClr val="phClr"/>
+        </a:solidFill>
+        <a:solidFill>
+          <a:schemeClr val="phClr">
+            <a:tint val="95000"/>
+            <a:satMod val="170000"/>
+          </a:schemeClr>
+        </a:solidFill>
+        <a:gradFill rotWithShape="1">
+          <a:gsLst>
+            <a:gs pos="0">
+              <a:schemeClr val="phClr">
+                <a:tint val="93000"/>
+                <a:satMod val="150000"/>
+                <a:shade val="98000"/>
+                <a:lumMod val="102000"/>
+              </a:schemeClr>
+            </a:gs>
+            <a:gs pos="50000">
+              <a:schemeClr val="phClr">
+                <a:tint val="98000"/>
+                <a:satMod val="130000"/>
+                <a:shade val="90000"/>
+                <a:lumMod val="103000"/>
+              </a:schemeClr>
+            </a:gs>
+            <a:gs pos="100000">
+              <a:schemeClr val="phClr">
+                <a:shade val="63000"/>
+                <a:satMod val="120000"/>
+              </a:schemeClr>
+            </a:gs>
+          </a:gsLst>
+          <a:lin ang="5400000" scaled="0"/>
+        </a:gradFill>
+      </a:bgFillStyleLst>
+    </a:fmtScheme>
+  </a:themeElements>
+  <a:objectDefaults/>
+  <a:extraClrSchemeLst/>
+  <a:extLst>
+    <a:ext uri="{05A4C25C-085E-4340-85A3-A5531E510DB2}">
+      <thm15:themeFamily xmlns:thm15="http://schemas.microsoft.com/office/thememl/2012/main" name="Office Theme" id="{62F939B6-93AF-4DB8-9C6B-D6C7DFDC589F}" vid="{4A3C46E8-61CC-4603-A589-7422A47A8E4A}"/>
+    </a:ext>
+  </a:extLst>
+</a:theme>
 </file>
--- a/presentation.pptx
+++ b/presentation.pptx
@@ -205,7 +205,7 @@
           <a:p>
             <a:fld id="{689DABA7-5B4A-4618-8384-DAF4A5262B1C}" type="datetimeFigureOut">
               <a:rPr lang="en-US" smtClean="0"/>
-              <a:t>2020-06-08</a:t>
+              <a:t>2020-10-20</a:t>
             </a:fld>
             <a:endParaRPr lang="en-US"/>
           </a:p>
@@ -627,7 +627,7 @@
           <a:p>
             <a:fld id="{6DE7834F-4745-4646-A05D-F82ECF723B53}" type="datetime1">
               <a:rPr lang="en-US" smtClean="0"/>
-              <a:t>2020-06-08</a:t>
+              <a:t>2020-10-20</a:t>
             </a:fld>
             <a:endParaRPr lang="en-US"/>
           </a:p>
@@ -797,7 +797,7 @@
           <a:p>
             <a:fld id="{B40C84D5-C3AE-4F63-8C78-918C61E8A63F}" type="datetime1">
               <a:rPr lang="en-US" smtClean="0"/>
-              <a:t>2020-06-08</a:t>
+              <a:t>2020-10-20</a:t>
             </a:fld>
             <a:endParaRPr lang="en-US"/>
           </a:p>
@@ -977,7 +977,7 @@
           <a:p>
             <a:fld id="{FB789A1C-1E0C-485C-A53E-13509781A33D}" type="datetime1">
               <a:rPr lang="en-US" smtClean="0"/>
-              <a:t>2020-06-08</a:t>
+              <a:t>2020-10-20</a:t>
             </a:fld>
             <a:endParaRPr lang="en-US"/>
           </a:p>
@@ -1147,7 +1147,7 @@
           <a:p>
             <a:fld id="{EF3AFFAE-6350-4894-8608-60A138B8B9C5}" type="datetime1">
               <a:rPr lang="en-US" smtClean="0"/>
-              <a:t>2020-06-08</a:t>
+              <a:t>2020-10-20</a:t>
             </a:fld>
             <a:endParaRPr lang="en-US"/>
           </a:p>
@@ -1407,7 +1407,7 @@
           <a:p>
             <a:fld id="{E8F1E9BE-0301-47E7-A696-93983451FA84}" type="datetime1">
               <a:rPr lang="en-US" smtClean="0"/>
-              <a:t>2020-06-08</a:t>
+              <a:t>2020-10-20</a:t>
             </a:fld>
             <a:endParaRPr lang="en-US"/>
           </a:p>
@@ -1639,7 +1639,7 @@
           <a:p>
             <a:fld id="{BF510A0D-7BC7-4FB7-A732-09BDEA0B5A6B}" type="datetime1">
               <a:rPr lang="en-US" smtClean="0"/>
-              <a:t>2020-06-08</a:t>
+              <a:t>2020-10-20</a:t>
             </a:fld>
             <a:endParaRPr lang="en-US"/>
           </a:p>
@@ -1994,7 +1994,7 @@
           <a:p>
             <a:fld id="{57895EE2-299D-40F1-93A1-789A014937D4}" type="datetime1">
               <a:rPr lang="en-US" smtClean="0"/>
-              <a:t>2020-06-08</a:t>
+              <a:t>2020-10-20</a:t>
             </a:fld>
             <a:endParaRPr lang="en-US"/>
           </a:p>
@@ -2135,7 +2135,7 @@
           <a:p>
             <a:fld id="{581BD616-66CB-4199-90CE-0836AD531BFD}" type="datetime1">
               <a:rPr lang="en-US" smtClean="0"/>
-              <a:t>2020-06-08</a:t>
+              <a:t>2020-10-20</a:t>
             </a:fld>
             <a:endParaRPr lang="en-US"/>
           </a:p>
@@ -2230,7 +2230,7 @@
           <a:p>
             <a:fld id="{136E83D2-B3E3-4C09-AD80-C8366CACF510}" type="datetime1">
               <a:rPr lang="en-US" smtClean="0"/>
-              <a:t>2020-06-08</a:t>
+              <a:t>2020-10-20</a:t>
             </a:fld>
             <a:endParaRPr lang="en-US"/>
           </a:p>
@@ -2587,7 +2587,7 @@
           <a:p>
             <a:fld id="{5D98B2C2-5B6E-4D69-8E24-7F8E532752C6}" type="datetime1">
               <a:rPr lang="en-US" smtClean="0"/>
-              <a:t>2020-06-08</a:t>
+              <a:t>2020-10-20</a:t>
             </a:fld>
             <a:endParaRPr lang="en-US"/>
           </a:p>
@@ -2905,7 +2905,7 @@
           <a:p>
             <a:fld id="{CEC7C22A-D4A1-49D4-9DAA-BBDAF311D20B}" type="datetime1">
               <a:rPr lang="en-US" smtClean="0"/>
-              <a:t>2020-06-08</a:t>
+              <a:t>2020-10-20</a:t>
             </a:fld>
             <a:endParaRPr lang="en-US"/>
           </a:p>
@@ -3150,7 +3150,7 @@
           <a:p>
             <a:fld id="{9F04546D-5C33-498D-8727-E24BA64AA87C}" type="datetime1">
               <a:rPr lang="en-US" smtClean="0"/>
-              <a:t>2020-06-08</a:t>
+              <a:t>2020-10-20</a:t>
             </a:fld>
             <a:endParaRPr lang="en-US"/>
           </a:p>
@@ -3775,8 +3775,8 @@
           </a:p>
         </p:txBody>
       </p:sp>
-      <mc:AlternateContent xmlns:mc="http://schemas.openxmlformats.org/markup-compatibility/2006" xmlns:a14="http://schemas.microsoft.com/office/drawing/2010/main">
-        <mc:Choice Requires="a14">
+      <mc:AlternateContent xmlns:mc="http://schemas.openxmlformats.org/markup-compatibility/2006">
+        <mc:Choice xmlns:a14="http://schemas.microsoft.com/office/drawing/2010/main" Requires="a14">
           <p:sp>
             <p:nvSpPr>
               <p:cNvPr id="3" name="Content Placeholder 2">
@@ -3901,7 +3901,19 @@
                   <a:rPr lang="fa-IR" sz="2400" dirty="0">
                     <a:cs typeface="B Nazanin" panose="00000400000000000000" pitchFamily="2" charset="-78"/>
                   </a:rPr>
-                  <a:t>مقدار آلفا و گاما بر طبق زیر به دست </a:t>
+                  <a:t>مقدار آلفا و </a:t>
+                </a:r>
+                <a:r>
+                  <a:rPr lang="fa-IR" sz="2400">
+                    <a:cs typeface="B Nazanin" panose="00000400000000000000" pitchFamily="2" charset="-78"/>
+                  </a:rPr>
+                  <a:t>گاما طبق </a:t>
+                </a:r>
+                <a:r>
+                  <a:rPr lang="fa-IR" sz="2400" dirty="0">
+                    <a:cs typeface="B Nazanin" panose="00000400000000000000" pitchFamily="2" charset="-78"/>
+                  </a:rPr>
+                  <a:t>زیر به دست </a:t>
                 </a:r>
                 <a:r>
                   <a:rPr lang="fa-IR" sz="2400" dirty="0" err="1">
@@ -4531,7 +4543,7 @@
             </p:txBody>
           </p:sp>
         </mc:Choice>
-        <mc:Fallback xmlns="">
+        <mc:Fallback>
           <p:sp>
             <p:nvSpPr>
               <p:cNvPr id="3" name="Content Placeholder 2">
